--- a/ppts/epi510_R_10_ggplotTidy.pptx
+++ b/ppts/epi510_R_10_ggplotTidy.pptx
@@ -281,7 +281,7 @@
           <a:p>
             <a:fld id="{4E21E127-4CDD-4F0E-839A-C9614F01B095}" type="datetimeFigureOut">
               <a:rPr lang="en-US" smtClean="0"/>
-              <a:t>10/28/22</a:t>
+              <a:t>11/5/22</a:t>
             </a:fld>
             <a:endParaRPr lang="en-US"/>
           </a:p>
@@ -9866,7 +9866,7 @@
             <a:fld id="{7DA6F061-0A21-4589-8FF9-B0816AC854A6}" type="datetimeFigureOut">
               <a:rPr lang="en-US" smtClean="0"/>
               <a:pPr/>
-              <a:t>10/28/22</a:t>
+              <a:t>11/5/22</a:t>
             </a:fld>
             <a:endParaRPr lang="en-US"/>
           </a:p>
@@ -23510,7 +23510,7 @@
         </p:nvSpPr>
         <p:spPr>
           <a:xfrm>
-            <a:off x="484716" y="1385498"/>
+            <a:off x="484716" y="1369732"/>
             <a:ext cx="11228313" cy="646331"/>
           </a:xfrm>
           <a:prstGeom prst="rect">
@@ -23529,7 +23529,7 @@
           <a:lstStyle/>
           <a:p>
             <a:r>
-              <a:rPr lang="en-US" err="1">
+              <a:rPr lang="en-US" dirty="0" err="1">
                 <a:solidFill>
                   <a:srgbClr val="2E4F8E"/>
                 </a:solidFill>
@@ -23538,7 +23538,7 @@
               <a:t>gapminder</a:t>
             </a:r>
             <a:r>
-              <a:rPr lang="en-US">
+              <a:rPr lang="en-US" dirty="0">
                 <a:solidFill>
                   <a:srgbClr val="2E4F8E"/>
                 </a:solidFill>
@@ -23547,7 +23547,7 @@
               <a:t> %&gt;% </a:t>
             </a:r>
             <a:r>
-              <a:rPr lang="en-US" err="1">
+              <a:rPr lang="en-US" dirty="0" err="1">
                 <a:solidFill>
                   <a:srgbClr val="2E4F8E"/>
                 </a:solidFill>
@@ -23556,7 +23556,7 @@
               <a:t>group_by</a:t>
             </a:r>
             <a:r>
-              <a:rPr lang="en-US">
+              <a:rPr lang="en-US" dirty="0">
                 <a:solidFill>
                   <a:srgbClr val="2E4F8E"/>
                 </a:solidFill>
@@ -23567,7 +23567,7 @@
           </a:p>
           <a:p>
             <a:r>
-              <a:rPr lang="en-US">
+              <a:rPr lang="en-US" dirty="0">
                 <a:solidFill>
                   <a:srgbClr val="2E4F8E"/>
                 </a:solidFill>
@@ -23576,7 +23576,7 @@
               <a:t>  </a:t>
             </a:r>
             <a:r>
-              <a:rPr lang="en-US" err="1">
+              <a:rPr lang="en-US" dirty="0" err="1">
                 <a:solidFill>
                   <a:srgbClr val="2E4F8E"/>
                 </a:solidFill>
@@ -23585,7 +23585,7 @@
               <a:t>ggplot</a:t>
             </a:r>
             <a:r>
-              <a:rPr lang="en-US">
+              <a:rPr lang="en-US" dirty="0">
                 <a:solidFill>
                   <a:srgbClr val="2E4F8E"/>
                 </a:solidFill>
@@ -23594,7 +23594,7 @@
               <a:t>(</a:t>
             </a:r>
             <a:r>
-              <a:rPr lang="en-US" err="1">
+              <a:rPr lang="en-US" dirty="0" err="1">
                 <a:solidFill>
                   <a:srgbClr val="2E4F8E"/>
                 </a:solidFill>
@@ -23603,7 +23603,7 @@
               <a:t>aes</a:t>
             </a:r>
             <a:r>
-              <a:rPr lang="en-US">
+              <a:rPr lang="en-US" dirty="0">
                 <a:solidFill>
                   <a:srgbClr val="2E4F8E"/>
                 </a:solidFill>
@@ -23612,7 +23612,7 @@
               <a:t>(x = year, y = pop, fill=continent)) + </a:t>
             </a:r>
             <a:r>
-              <a:rPr lang="en-US" err="1">
+              <a:rPr lang="en-US" dirty="0" err="1">
                 <a:solidFill>
                   <a:srgbClr val="2E4F8E"/>
                 </a:solidFill>
@@ -23621,7 +23621,7 @@
               <a:t>geom_col</a:t>
             </a:r>
             <a:r>
-              <a:rPr lang="en-US">
+              <a:rPr lang="en-US" dirty="0">
                 <a:solidFill>
                   <a:srgbClr val="2E4F8E"/>
                 </a:solidFill>
@@ -23630,7 +23630,7 @@
               <a:t>(</a:t>
             </a:r>
             <a:r>
-              <a:rPr lang="en-US" b="1">
+              <a:rPr lang="en-US" b="1" dirty="0">
                 <a:solidFill>
                   <a:srgbClr val="2E4F8E"/>
                 </a:solidFill>
@@ -23639,7 +23639,7 @@
               <a:t>position=</a:t>
             </a:r>
             <a:r>
-              <a:rPr lang="en-US" b="1">
+              <a:rPr lang="en-US" b="1" dirty="0">
                 <a:solidFill>
                   <a:schemeClr val="accent1">
                     <a:lumMod val="75000"/>
@@ -23650,7 +23650,7 @@
               <a:t>"dodge"</a:t>
             </a:r>
             <a:r>
-              <a:rPr lang="en-US" b="1">
+              <a:rPr lang="en-US" b="1" dirty="0">
                 <a:solidFill>
                   <a:srgbClr val="2E4F8E"/>
                 </a:solidFill>
